--- a/Recursos/slides/AsyncStoraage.pptx
+++ b/Recursos/slides/AsyncStoraage.pptx
@@ -9,6 +9,9 @@
     <p:sldId id="257" r:id="rId3"/>
     <p:sldId id="258" r:id="rId4"/>
     <p:sldId id="259" r:id="rId5"/>
+    <p:sldId id="260" r:id="rId6"/>
+    <p:sldId id="261" r:id="rId7"/>
+    <p:sldId id="262" r:id="rId8"/>
   </p:sldIdLst>
   <p:sldSz cx="12192000" cy="6858000"/>
   <p:notesSz cx="6858000" cy="9144000"/>
@@ -3976,7 +3979,15 @@
           <a:bodyPr/>
           <a:lstStyle/>
           <a:p>
-            <a:endParaRPr lang="pt-BR"/>
+            <a:r>
+              <a:rPr lang="pt-BR" dirty="0"/>
+              <a:t>Veja o projeto na pasta Exemplos/</a:t>
+            </a:r>
+            <a:r>
+              <a:rPr lang="pt-BR" dirty="0" err="1"/>
+              <a:t>asyncStorage</a:t>
+            </a:r>
+            <a:endParaRPr lang="pt-BR" dirty="0"/>
           </a:p>
         </p:txBody>
       </p:sp>
@@ -3984,6 +3995,852 @@
     <p:extLst>
       <p:ext uri="{BB962C8B-B14F-4D97-AF65-F5344CB8AC3E}">
         <p14:creationId xmlns:p14="http://schemas.microsoft.com/office/powerpoint/2010/main" val="1738759709"/>
+      </p:ext>
+    </p:extLst>
+  </p:cSld>
+  <p:clrMapOvr>
+    <a:masterClrMapping/>
+  </p:clrMapOvr>
+</p:sld>
+</file>
+
+<file path=ppt/slides/slide5.xml><?xml version="1.0" encoding="utf-8"?>
+<p:sld xmlns:a="http://schemas.openxmlformats.org/drawingml/2006/main" xmlns:r="http://schemas.openxmlformats.org/officeDocument/2006/relationships" xmlns:p="http://schemas.openxmlformats.org/presentationml/2006/main">
+  <p:cSld>
+    <p:spTree>
+      <p:nvGrpSpPr>
+        <p:cNvPr id="1" name=""/>
+        <p:cNvGrpSpPr/>
+        <p:nvPr/>
+      </p:nvGrpSpPr>
+      <p:grpSpPr>
+        <a:xfrm>
+          <a:off x="0" y="0"/>
+          <a:ext cx="0" cy="0"/>
+          <a:chOff x="0" y="0"/>
+          <a:chExt cx="0" cy="0"/>
+        </a:xfrm>
+      </p:grpSpPr>
+      <p:sp>
+        <p:nvSpPr>
+          <p:cNvPr id="2" name="Título 1">
+            <a:extLst>
+              <a:ext uri="{FF2B5EF4-FFF2-40B4-BE49-F238E27FC236}">
+                <a16:creationId xmlns:a16="http://schemas.microsoft.com/office/drawing/2014/main" id="{05D337C2-FE95-2C50-7D84-060F16B5E7D2}"/>
+              </a:ext>
+            </a:extLst>
+          </p:cNvPr>
+          <p:cNvSpPr>
+            <a:spLocks noGrp="1"/>
+          </p:cNvSpPr>
+          <p:nvPr>
+            <p:ph type="title"/>
+          </p:nvPr>
+        </p:nvSpPr>
+        <p:spPr/>
+        <p:txBody>
+          <a:bodyPr>
+            <a:normAutofit/>
+          </a:bodyPr>
+          <a:lstStyle/>
+          <a:p>
+            <a:r>
+              <a:rPr lang="pt-BR" dirty="0"/>
+              <a:t>Dicas para Usar o </a:t>
+            </a:r>
+            <a:r>
+              <a:rPr lang="pt-BR" dirty="0" err="1"/>
+              <a:t>AsyncStorage</a:t>
+            </a:r>
+            <a:r>
+              <a:rPr lang="pt-BR" dirty="0"/>
+              <a:t> de Forma Eficiente</a:t>
+            </a:r>
+          </a:p>
+        </p:txBody>
+      </p:sp>
+      <p:sp>
+        <p:nvSpPr>
+          <p:cNvPr id="3" name="Espaço Reservado para Conteúdo 2">
+            <a:extLst>
+              <a:ext uri="{FF2B5EF4-FFF2-40B4-BE49-F238E27FC236}">
+                <a16:creationId xmlns:a16="http://schemas.microsoft.com/office/drawing/2014/main" id="{D996546A-5286-3729-635B-445A9E7987C7}"/>
+              </a:ext>
+            </a:extLst>
+          </p:cNvPr>
+          <p:cNvSpPr>
+            <a:spLocks noGrp="1"/>
+          </p:cNvSpPr>
+          <p:nvPr>
+            <p:ph idx="1"/>
+          </p:nvPr>
+        </p:nvSpPr>
+        <p:spPr/>
+        <p:txBody>
+          <a:bodyPr>
+            <a:normAutofit fontScale="70000" lnSpcReduction="20000"/>
+          </a:bodyPr>
+          <a:lstStyle/>
+          <a:p>
+            <a:pPr algn="l">
+              <a:spcAft>
+                <a:spcPts val="300"/>
+              </a:spcAft>
+              <a:buFont typeface="+mj-lt"/>
+              <a:buAutoNum type="arabicPeriod"/>
+            </a:pPr>
+            <a:r>
+              <a:rPr lang="pt-BR" dirty="0"/>
+              <a:t>Trate Erros:</a:t>
+            </a:r>
+          </a:p>
+          <a:p>
+            <a:pPr lvl="1">
+              <a:spcBef>
+                <a:spcPts val="300"/>
+              </a:spcBef>
+            </a:pPr>
+            <a:r>
+              <a:rPr lang="pt-BR" dirty="0"/>
+              <a:t>Sempre use </a:t>
+            </a:r>
+            <a:r>
+              <a:rPr lang="pt-BR" dirty="0" err="1"/>
+              <a:t>try</a:t>
+            </a:r>
+            <a:r>
+              <a:rPr lang="pt-BR" dirty="0"/>
+              <a:t>/catch para lidar com possíveis erros nas operações assíncronas.</a:t>
+            </a:r>
+            <a:br>
+              <a:rPr lang="pt-BR" dirty="0"/>
+            </a:br>
+            <a:endParaRPr lang="pt-BR" dirty="0"/>
+          </a:p>
+          <a:p>
+            <a:pPr algn="l">
+              <a:spcBef>
+                <a:spcPts val="300"/>
+              </a:spcBef>
+              <a:spcAft>
+                <a:spcPts val="300"/>
+              </a:spcAft>
+              <a:buFont typeface="+mj-lt"/>
+              <a:buAutoNum type="arabicPeriod"/>
+            </a:pPr>
+            <a:r>
+              <a:rPr lang="pt-BR" dirty="0"/>
+              <a:t>Armazene Dados Pequenos:</a:t>
+            </a:r>
+          </a:p>
+          <a:p>
+            <a:pPr lvl="1">
+              <a:spcBef>
+                <a:spcPts val="300"/>
+              </a:spcBef>
+            </a:pPr>
+            <a:r>
+              <a:rPr lang="pt-BR" dirty="0"/>
+              <a:t>Use o </a:t>
+            </a:r>
+            <a:r>
+              <a:rPr lang="pt-BR" dirty="0" err="1"/>
+              <a:t>AsyncStorage</a:t>
+            </a:r>
+            <a:r>
+              <a:rPr lang="pt-BR" dirty="0"/>
+              <a:t> apenas para pequenas quantidades de dados (</a:t>
+            </a:r>
+            <a:r>
+              <a:rPr lang="pt-BR" dirty="0" err="1"/>
+              <a:t>ex</a:t>
+            </a:r>
+            <a:r>
+              <a:rPr lang="pt-BR" dirty="0"/>
+              <a:t>: tokens, preferências).</a:t>
+            </a:r>
+            <a:br>
+              <a:rPr lang="pt-BR" dirty="0"/>
+            </a:br>
+            <a:endParaRPr lang="pt-BR" dirty="0"/>
+          </a:p>
+          <a:p>
+            <a:pPr algn="l">
+              <a:spcBef>
+                <a:spcPts val="300"/>
+              </a:spcBef>
+              <a:spcAft>
+                <a:spcPts val="300"/>
+              </a:spcAft>
+              <a:buFont typeface="+mj-lt"/>
+              <a:buAutoNum type="arabicPeriod"/>
+            </a:pPr>
+            <a:r>
+              <a:rPr lang="pt-BR" dirty="0"/>
+              <a:t>Evite Armazenar Dados Sensíveis:</a:t>
+            </a:r>
+          </a:p>
+          <a:p>
+            <a:pPr lvl="1">
+              <a:spcBef>
+                <a:spcPts val="300"/>
+              </a:spcBef>
+            </a:pPr>
+            <a:r>
+              <a:rPr lang="pt-BR" dirty="0"/>
+              <a:t>Dados não são criptografados por padrão. Para informações sensíveis, use bibliotecas como </a:t>
+            </a:r>
+            <a:r>
+              <a:rPr lang="pt-BR" dirty="0" err="1"/>
+              <a:t>react-native-keychain</a:t>
+            </a:r>
+            <a:r>
+              <a:rPr lang="pt-BR" dirty="0"/>
+              <a:t>.</a:t>
+            </a:r>
+            <a:br>
+              <a:rPr lang="pt-BR" dirty="0"/>
+            </a:br>
+            <a:endParaRPr lang="pt-BR" dirty="0"/>
+          </a:p>
+          <a:p>
+            <a:pPr algn="l">
+              <a:spcBef>
+                <a:spcPts val="300"/>
+              </a:spcBef>
+              <a:spcAft>
+                <a:spcPts val="300"/>
+              </a:spcAft>
+              <a:buFont typeface="+mj-lt"/>
+              <a:buAutoNum type="arabicPeriod"/>
+            </a:pPr>
+            <a:r>
+              <a:rPr lang="pt-BR" dirty="0"/>
+              <a:t>Limpeza de Dados:</a:t>
+            </a:r>
+          </a:p>
+          <a:p>
+            <a:pPr lvl="1">
+              <a:spcBef>
+                <a:spcPts val="300"/>
+              </a:spcBef>
+            </a:pPr>
+            <a:r>
+              <a:rPr lang="pt-BR" dirty="0"/>
+              <a:t>Remova dados desnecessários com </a:t>
+            </a:r>
+            <a:r>
+              <a:rPr lang="pt-BR" dirty="0" err="1"/>
+              <a:t>removeItem</a:t>
+            </a:r>
+            <a:r>
+              <a:rPr lang="pt-BR" dirty="0"/>
+              <a:t> ou </a:t>
+            </a:r>
+            <a:r>
+              <a:rPr lang="pt-BR" dirty="0" err="1"/>
+              <a:t>clear</a:t>
+            </a:r>
+            <a:r>
+              <a:rPr lang="pt-BR" dirty="0"/>
+              <a:t> para evitar acúmulo.</a:t>
+            </a:r>
+            <a:br>
+              <a:rPr lang="pt-BR" dirty="0"/>
+            </a:br>
+            <a:endParaRPr lang="pt-BR" dirty="0"/>
+          </a:p>
+          <a:p>
+            <a:pPr algn="l">
+              <a:spcBef>
+                <a:spcPts val="300"/>
+              </a:spcBef>
+              <a:spcAft>
+                <a:spcPts val="300"/>
+              </a:spcAft>
+              <a:buFont typeface="+mj-lt"/>
+              <a:buAutoNum type="arabicPeriod"/>
+            </a:pPr>
+            <a:r>
+              <a:rPr lang="pt-BR" dirty="0"/>
+              <a:t>Use Chaves Descritivas:</a:t>
+            </a:r>
+          </a:p>
+          <a:p>
+            <a:pPr lvl="1">
+              <a:spcBef>
+                <a:spcPts val="300"/>
+              </a:spcBef>
+            </a:pPr>
+            <a:r>
+              <a:rPr lang="pt-BR" dirty="0"/>
+              <a:t>Utilize chaves claras e organizadas para facilitar a manutenção (</a:t>
+            </a:r>
+            <a:r>
+              <a:rPr lang="pt-BR" dirty="0" err="1"/>
+              <a:t>ex</a:t>
+            </a:r>
+            <a:r>
+              <a:rPr lang="pt-BR" dirty="0"/>
+              <a:t>: @</a:t>
+            </a:r>
+            <a:r>
+              <a:rPr lang="pt-BR" dirty="0" err="1"/>
+              <a:t>App:userToken</a:t>
+            </a:r>
+            <a:r>
+              <a:rPr lang="pt-BR" dirty="0"/>
+              <a:t>).</a:t>
+            </a:r>
+            <a:br>
+              <a:rPr lang="pt-BR" dirty="0"/>
+            </a:br>
+            <a:endParaRPr lang="pt-BR" dirty="0"/>
+          </a:p>
+          <a:p>
+            <a:pPr algn="l">
+              <a:spcBef>
+                <a:spcPts val="300"/>
+              </a:spcBef>
+              <a:spcAft>
+                <a:spcPts val="300"/>
+              </a:spcAft>
+              <a:buFont typeface="+mj-lt"/>
+              <a:buAutoNum type="arabicPeriod"/>
+            </a:pPr>
+            <a:r>
+              <a:rPr lang="pt-BR" dirty="0"/>
+              <a:t>Teste em Diferentes Dispositivos:</a:t>
+            </a:r>
+          </a:p>
+          <a:p>
+            <a:pPr lvl="1">
+              <a:spcBef>
+                <a:spcPts val="300"/>
+              </a:spcBef>
+            </a:pPr>
+            <a:r>
+              <a:rPr lang="pt-BR" dirty="0"/>
+              <a:t>Verifique o comportamento em diferentes sistemas operacionais (iOS e Android).</a:t>
+            </a:r>
+          </a:p>
+        </p:txBody>
+      </p:sp>
+    </p:spTree>
+    <p:extLst>
+      <p:ext uri="{BB962C8B-B14F-4D97-AF65-F5344CB8AC3E}">
+        <p14:creationId xmlns:p14="http://schemas.microsoft.com/office/powerpoint/2010/main" val="986263781"/>
+      </p:ext>
+    </p:extLst>
+  </p:cSld>
+  <p:clrMapOvr>
+    <a:masterClrMapping/>
+  </p:clrMapOvr>
+</p:sld>
+</file>
+
+<file path=ppt/slides/slide6.xml><?xml version="1.0" encoding="utf-8"?>
+<p:sld xmlns:a="http://schemas.openxmlformats.org/drawingml/2006/main" xmlns:r="http://schemas.openxmlformats.org/officeDocument/2006/relationships" xmlns:p="http://schemas.openxmlformats.org/presentationml/2006/main">
+  <p:cSld>
+    <p:spTree>
+      <p:nvGrpSpPr>
+        <p:cNvPr id="1" name=""/>
+        <p:cNvGrpSpPr/>
+        <p:nvPr/>
+      </p:nvGrpSpPr>
+      <p:grpSpPr>
+        <a:xfrm>
+          <a:off x="0" y="0"/>
+          <a:ext cx="0" cy="0"/>
+          <a:chOff x="0" y="0"/>
+          <a:chExt cx="0" cy="0"/>
+        </a:xfrm>
+      </p:grpSpPr>
+      <p:sp>
+        <p:nvSpPr>
+          <p:cNvPr id="2" name="Título 1">
+            <a:extLst>
+              <a:ext uri="{FF2B5EF4-FFF2-40B4-BE49-F238E27FC236}">
+                <a16:creationId xmlns:a16="http://schemas.microsoft.com/office/drawing/2014/main" id="{B80C67AF-99E5-733D-1AC1-DB6D80B8391B}"/>
+              </a:ext>
+            </a:extLst>
+          </p:cNvPr>
+          <p:cNvSpPr>
+            <a:spLocks noGrp="1"/>
+          </p:cNvSpPr>
+          <p:nvPr>
+            <p:ph type="title"/>
+          </p:nvPr>
+        </p:nvSpPr>
+        <p:spPr/>
+        <p:txBody>
+          <a:bodyPr/>
+          <a:lstStyle/>
+          <a:p>
+            <a:r>
+              <a:rPr lang="pt-BR" dirty="0"/>
+              <a:t>Outras Opções para Armazenamento</a:t>
+            </a:r>
+          </a:p>
+        </p:txBody>
+      </p:sp>
+      <p:sp>
+        <p:nvSpPr>
+          <p:cNvPr id="3" name="Espaço Reservado para Conteúdo 2">
+            <a:extLst>
+              <a:ext uri="{FF2B5EF4-FFF2-40B4-BE49-F238E27FC236}">
+                <a16:creationId xmlns:a16="http://schemas.microsoft.com/office/drawing/2014/main" id="{80D3C830-33F3-C35A-D749-A3773E1060DD}"/>
+              </a:ext>
+            </a:extLst>
+          </p:cNvPr>
+          <p:cNvSpPr>
+            <a:spLocks noGrp="1"/>
+          </p:cNvSpPr>
+          <p:nvPr>
+            <p:ph idx="1"/>
+          </p:nvPr>
+        </p:nvSpPr>
+        <p:spPr>
+          <a:xfrm>
+            <a:off x="838200" y="1530985"/>
+            <a:ext cx="10515600" cy="4351338"/>
+          </a:xfrm>
+        </p:spPr>
+        <p:txBody>
+          <a:bodyPr>
+            <a:normAutofit fontScale="77500" lnSpcReduction="20000"/>
+          </a:bodyPr>
+          <a:lstStyle/>
+          <a:p>
+            <a:pPr algn="l">
+              <a:spcBef>
+                <a:spcPts val="300"/>
+              </a:spcBef>
+              <a:buFont typeface="+mj-lt"/>
+              <a:buAutoNum type="arabicPeriod"/>
+            </a:pPr>
+            <a:endParaRPr lang="pt-BR" dirty="0"/>
+          </a:p>
+          <a:p>
+            <a:pPr algn="l">
+              <a:spcAft>
+                <a:spcPts val="300"/>
+              </a:spcAft>
+              <a:buFont typeface="+mj-lt"/>
+              <a:buAutoNum type="arabicPeriod"/>
+            </a:pPr>
+            <a:r>
+              <a:rPr lang="pt-BR" dirty="0" err="1"/>
+              <a:t>SQLite</a:t>
+            </a:r>
+            <a:r>
+              <a:rPr lang="pt-BR" dirty="0"/>
+              <a:t>:</a:t>
+            </a:r>
+          </a:p>
+          <a:p>
+            <a:pPr lvl="1">
+              <a:spcBef>
+                <a:spcPts val="300"/>
+              </a:spcBef>
+            </a:pPr>
+            <a:r>
+              <a:rPr lang="pt-BR" dirty="0"/>
+              <a:t>Banco de dados relacional para armazenar grandes quantidades de dados estruturados.</a:t>
+            </a:r>
+          </a:p>
+          <a:p>
+            <a:pPr lvl="1">
+              <a:spcBef>
+                <a:spcPts val="300"/>
+              </a:spcBef>
+            </a:pPr>
+            <a:r>
+              <a:rPr lang="pt-BR" dirty="0"/>
+              <a:t>Exemplo de biblioteca: </a:t>
+            </a:r>
+            <a:r>
+              <a:rPr lang="pt-BR" b="1" dirty="0" err="1"/>
+              <a:t>react-native-sqlite-storage</a:t>
+            </a:r>
+            <a:r>
+              <a:rPr lang="pt-BR" dirty="0"/>
+              <a:t>.</a:t>
+            </a:r>
+            <a:br>
+              <a:rPr lang="pt-BR" dirty="0"/>
+            </a:br>
+            <a:endParaRPr lang="pt-BR" dirty="0"/>
+          </a:p>
+          <a:p>
+            <a:pPr algn="l">
+              <a:spcBef>
+                <a:spcPts val="300"/>
+              </a:spcBef>
+              <a:spcAft>
+                <a:spcPts val="300"/>
+              </a:spcAft>
+              <a:buFont typeface="+mj-lt"/>
+              <a:buAutoNum type="arabicPeriod"/>
+            </a:pPr>
+            <a:r>
+              <a:rPr lang="pt-BR" dirty="0" err="1"/>
+              <a:t>Realm</a:t>
+            </a:r>
+            <a:r>
+              <a:rPr lang="pt-BR" dirty="0"/>
+              <a:t>:</a:t>
+            </a:r>
+          </a:p>
+          <a:p>
+            <a:pPr lvl="1">
+              <a:spcBef>
+                <a:spcPts val="300"/>
+              </a:spcBef>
+            </a:pPr>
+            <a:r>
+              <a:rPr lang="pt-BR" dirty="0"/>
+              <a:t>Banco de dados </a:t>
+            </a:r>
+            <a:r>
+              <a:rPr lang="pt-BR" dirty="0" err="1"/>
+              <a:t>NoSQL</a:t>
+            </a:r>
+            <a:r>
+              <a:rPr lang="pt-BR" dirty="0"/>
+              <a:t> embutido com suporte a consultas avançadas e sincronização.</a:t>
+            </a:r>
+          </a:p>
+          <a:p>
+            <a:pPr lvl="1">
+              <a:spcBef>
+                <a:spcPts val="300"/>
+              </a:spcBef>
+            </a:pPr>
+            <a:r>
+              <a:rPr lang="pt-BR" dirty="0"/>
+              <a:t>Exemplo de biblioteca: </a:t>
+            </a:r>
+            <a:r>
+              <a:rPr lang="pt-BR" b="1" dirty="0" err="1"/>
+              <a:t>realm</a:t>
+            </a:r>
+            <a:r>
+              <a:rPr lang="pt-BR" dirty="0"/>
+              <a:t>.</a:t>
+            </a:r>
+            <a:br>
+              <a:rPr lang="pt-BR" dirty="0"/>
+            </a:br>
+            <a:endParaRPr lang="pt-BR" dirty="0"/>
+          </a:p>
+          <a:p>
+            <a:pPr algn="l">
+              <a:spcBef>
+                <a:spcPts val="300"/>
+              </a:spcBef>
+              <a:spcAft>
+                <a:spcPts val="300"/>
+              </a:spcAft>
+              <a:buFont typeface="+mj-lt"/>
+              <a:buAutoNum type="arabicPeriod"/>
+            </a:pPr>
+            <a:r>
+              <a:rPr lang="pt-BR" dirty="0"/>
+              <a:t>MMKV:</a:t>
+            </a:r>
+          </a:p>
+          <a:p>
+            <a:pPr lvl="1">
+              <a:spcBef>
+                <a:spcPts val="300"/>
+              </a:spcBef>
+            </a:pPr>
+            <a:r>
+              <a:rPr lang="pt-BR" dirty="0"/>
+              <a:t>Solução de armazenamento chave-valor de alto desempenho.</a:t>
+            </a:r>
+          </a:p>
+          <a:p>
+            <a:pPr lvl="1">
+              <a:spcBef>
+                <a:spcPts val="300"/>
+              </a:spcBef>
+            </a:pPr>
+            <a:r>
+              <a:rPr lang="pt-BR" dirty="0"/>
+              <a:t>Exemplo de biblioteca: </a:t>
+            </a:r>
+            <a:r>
+              <a:rPr lang="pt-BR" b="1" dirty="0" err="1"/>
+              <a:t>react-native-mmkv</a:t>
+            </a:r>
+            <a:r>
+              <a:rPr lang="pt-BR" dirty="0"/>
+              <a:t>.</a:t>
+            </a:r>
+            <a:br>
+              <a:rPr lang="pt-BR" dirty="0"/>
+            </a:br>
+            <a:endParaRPr lang="pt-BR" dirty="0"/>
+          </a:p>
+          <a:p>
+            <a:pPr algn="l">
+              <a:spcBef>
+                <a:spcPts val="300"/>
+              </a:spcBef>
+              <a:spcAft>
+                <a:spcPts val="300"/>
+              </a:spcAft>
+              <a:buFont typeface="+mj-lt"/>
+              <a:buAutoNum type="arabicPeriod"/>
+            </a:pPr>
+            <a:r>
+              <a:rPr lang="pt-BR" dirty="0" err="1"/>
+              <a:t>Secure</a:t>
+            </a:r>
+            <a:r>
+              <a:rPr lang="pt-BR" dirty="0"/>
+              <a:t> </a:t>
+            </a:r>
+            <a:r>
+              <a:rPr lang="pt-BR" dirty="0" err="1"/>
+              <a:t>Storage</a:t>
+            </a:r>
+            <a:r>
+              <a:rPr lang="pt-BR" dirty="0"/>
+              <a:t>:</a:t>
+            </a:r>
+          </a:p>
+          <a:p>
+            <a:pPr lvl="1">
+              <a:spcBef>
+                <a:spcPts val="300"/>
+              </a:spcBef>
+              <a:spcAft>
+                <a:spcPts val="300"/>
+              </a:spcAft>
+            </a:pPr>
+            <a:r>
+              <a:rPr lang="pt-BR" dirty="0"/>
+              <a:t>Para dados sensíveis, use bibliotecas como </a:t>
+            </a:r>
+            <a:r>
+              <a:rPr lang="pt-BR" b="1" dirty="0" err="1"/>
+              <a:t>react-native-keychain</a:t>
+            </a:r>
+            <a:r>
+              <a:rPr lang="pt-BR" dirty="0"/>
+              <a:t> ou </a:t>
+            </a:r>
+            <a:r>
+              <a:rPr lang="pt-BR" b="1" dirty="0"/>
+              <a:t>expo-</a:t>
+            </a:r>
+            <a:r>
+              <a:rPr lang="pt-BR" b="1" dirty="0" err="1"/>
+              <a:t>secure</a:t>
+            </a:r>
+            <a:r>
+              <a:rPr lang="pt-BR" b="1" dirty="0"/>
+              <a:t>-store</a:t>
+            </a:r>
+            <a:r>
+              <a:rPr lang="pt-BR" dirty="0"/>
+              <a:t>.</a:t>
+            </a:r>
+            <a:endParaRPr lang="pt-BR" b="1" dirty="0"/>
+          </a:p>
+        </p:txBody>
+      </p:sp>
+    </p:spTree>
+    <p:extLst>
+      <p:ext uri="{BB962C8B-B14F-4D97-AF65-F5344CB8AC3E}">
+        <p14:creationId xmlns:p14="http://schemas.microsoft.com/office/powerpoint/2010/main" val="308380874"/>
+      </p:ext>
+    </p:extLst>
+  </p:cSld>
+  <p:clrMapOvr>
+    <a:masterClrMapping/>
+  </p:clrMapOvr>
+</p:sld>
+</file>
+
+<file path=ppt/slides/slide7.xml><?xml version="1.0" encoding="utf-8"?>
+<p:sld xmlns:a="http://schemas.openxmlformats.org/drawingml/2006/main" xmlns:r="http://schemas.openxmlformats.org/officeDocument/2006/relationships" xmlns:p="http://schemas.openxmlformats.org/presentationml/2006/main">
+  <p:cSld>
+    <p:spTree>
+      <p:nvGrpSpPr>
+        <p:cNvPr id="1" name=""/>
+        <p:cNvGrpSpPr/>
+        <p:nvPr/>
+      </p:nvGrpSpPr>
+      <p:grpSpPr>
+        <a:xfrm>
+          <a:off x="0" y="0"/>
+          <a:ext cx="0" cy="0"/>
+          <a:chOff x="0" y="0"/>
+          <a:chExt cx="0" cy="0"/>
+        </a:xfrm>
+      </p:grpSpPr>
+      <p:sp>
+        <p:nvSpPr>
+          <p:cNvPr id="2" name="Título 1">
+            <a:extLst>
+              <a:ext uri="{FF2B5EF4-FFF2-40B4-BE49-F238E27FC236}">
+                <a16:creationId xmlns:a16="http://schemas.microsoft.com/office/drawing/2014/main" id="{D6CBD4AF-65E7-0BC3-9B9A-218709D31A3F}"/>
+              </a:ext>
+            </a:extLst>
+          </p:cNvPr>
+          <p:cNvSpPr>
+            <a:spLocks noGrp="1"/>
+          </p:cNvSpPr>
+          <p:nvPr>
+            <p:ph type="title"/>
+          </p:nvPr>
+        </p:nvSpPr>
+        <p:spPr/>
+        <p:txBody>
+          <a:bodyPr/>
+          <a:lstStyle/>
+          <a:p>
+            <a:r>
+              <a:rPr lang="pt-BR" dirty="0"/>
+              <a:t>Resumo sobre o </a:t>
+            </a:r>
+            <a:r>
+              <a:rPr lang="pt-BR" dirty="0" err="1"/>
+              <a:t>AsyncStorage</a:t>
+            </a:r>
+            <a:endParaRPr lang="pt-BR" dirty="0"/>
+          </a:p>
+        </p:txBody>
+      </p:sp>
+      <p:sp>
+        <p:nvSpPr>
+          <p:cNvPr id="3" name="Espaço Reservado para Conteúdo 2">
+            <a:extLst>
+              <a:ext uri="{FF2B5EF4-FFF2-40B4-BE49-F238E27FC236}">
+                <a16:creationId xmlns:a16="http://schemas.microsoft.com/office/drawing/2014/main" id="{9D4E4880-8F58-B741-A6B9-55132674C3A4}"/>
+              </a:ext>
+            </a:extLst>
+          </p:cNvPr>
+          <p:cNvSpPr>
+            <a:spLocks noGrp="1"/>
+          </p:cNvSpPr>
+          <p:nvPr>
+            <p:ph idx="1"/>
+          </p:nvPr>
+        </p:nvSpPr>
+        <p:spPr/>
+        <p:txBody>
+          <a:bodyPr>
+            <a:normAutofit lnSpcReduction="10000"/>
+          </a:bodyPr>
+          <a:lstStyle/>
+          <a:p>
+            <a:pPr algn="l">
+              <a:buFont typeface="Arial" panose="020B0604020202020204" pitchFamily="34" charset="0"/>
+              <a:buChar char="•"/>
+            </a:pPr>
+            <a:r>
+              <a:rPr lang="pt-BR" dirty="0"/>
+              <a:t>Importância:</a:t>
+            </a:r>
+            <a:br>
+              <a:rPr lang="pt-BR" dirty="0"/>
+            </a:br>
+            <a:r>
+              <a:rPr lang="pt-BR" dirty="0"/>
+              <a:t>Fundamental para armazenar dados simples e persistentes em aplicativos </a:t>
+            </a:r>
+            <a:r>
+              <a:rPr lang="pt-BR" dirty="0" err="1"/>
+              <a:t>React</a:t>
+            </a:r>
+            <a:r>
+              <a:rPr lang="pt-BR" dirty="0"/>
+              <a:t> </a:t>
+            </a:r>
+            <a:r>
+              <a:rPr lang="pt-BR" dirty="0" err="1"/>
+              <a:t>Native</a:t>
+            </a:r>
+            <a:r>
+              <a:rPr lang="pt-BR" dirty="0"/>
+              <a:t>.</a:t>
+            </a:r>
+            <a:br>
+              <a:rPr lang="pt-BR" dirty="0"/>
+            </a:br>
+            <a:endParaRPr lang="pt-BR" dirty="0"/>
+          </a:p>
+          <a:p>
+            <a:pPr algn="l">
+              <a:spcBef>
+                <a:spcPts val="300"/>
+              </a:spcBef>
+              <a:buFont typeface="Arial" panose="020B0604020202020204" pitchFamily="34" charset="0"/>
+              <a:buChar char="•"/>
+            </a:pPr>
+            <a:r>
+              <a:rPr lang="pt-BR" dirty="0"/>
+              <a:t>Flexibilidade:</a:t>
+            </a:r>
+            <a:br>
+              <a:rPr lang="pt-BR" dirty="0"/>
+            </a:br>
+            <a:r>
+              <a:rPr lang="pt-BR" dirty="0"/>
+              <a:t>Fácil de usar e integra-se bem com a maioria dos casos de uso simples.</a:t>
+            </a:r>
+            <a:br>
+              <a:rPr lang="pt-BR" dirty="0"/>
+            </a:br>
+            <a:endParaRPr lang="pt-BR" dirty="0"/>
+          </a:p>
+          <a:p>
+            <a:pPr algn="l">
+              <a:spcBef>
+                <a:spcPts val="300"/>
+              </a:spcBef>
+              <a:buFont typeface="Arial" panose="020B0604020202020204" pitchFamily="34" charset="0"/>
+              <a:buChar char="•"/>
+            </a:pPr>
+            <a:r>
+              <a:rPr lang="pt-BR" dirty="0"/>
+              <a:t>Próximos Passos:</a:t>
+            </a:r>
+            <a:br>
+              <a:rPr lang="pt-BR" dirty="0"/>
+            </a:br>
+            <a:r>
+              <a:rPr lang="pt-BR" dirty="0"/>
+              <a:t>Explore bibliotecas como </a:t>
+            </a:r>
+            <a:r>
+              <a:rPr lang="pt-BR" b="1" dirty="0" err="1"/>
+              <a:t>SQLite</a:t>
+            </a:r>
+            <a:r>
+              <a:rPr lang="pt-BR" dirty="0"/>
+              <a:t> ou </a:t>
+            </a:r>
+            <a:r>
+              <a:rPr lang="pt-BR" b="1" dirty="0" err="1"/>
+              <a:t>Realm</a:t>
+            </a:r>
+            <a:r>
+              <a:rPr lang="pt-BR" dirty="0"/>
+              <a:t> para necessidades de armazenamento mais complexas.</a:t>
+            </a:r>
+          </a:p>
+        </p:txBody>
+      </p:sp>
+    </p:spTree>
+    <p:extLst>
+      <p:ext uri="{BB962C8B-B14F-4D97-AF65-F5344CB8AC3E}">
+        <p14:creationId xmlns:p14="http://schemas.microsoft.com/office/powerpoint/2010/main" val="1959085356"/>
       </p:ext>
     </p:extLst>
   </p:cSld>
